--- a/publications_and_presentations/Poster-01-2014.pptx
+++ b/publications_and_presentations/Poster-01-2014.pptx
@@ -4298,7 +4298,7 @@
         <p:spPr>
           <a:xfrm>
             <a:off x="1645921" y="5741043"/>
-            <a:ext cx="4048537" cy="1033362"/>
+            <a:ext cx="4048537" cy="1173638"/>
           </a:xfrm>
           <a:solidFill>
             <a:srgbClr val="000D36"/>
@@ -4312,12 +4312,12 @@
         </p:spPr>
         <p:txBody>
           <a:bodyPr>
-            <a:normAutofit fontScale="70000" lnSpcReduction="20000"/>
+            <a:noAutofit/>
           </a:bodyPr>
           <a:lstStyle/>
           <a:p>
             <a:r>
-              <a:rPr lang="en-US" dirty="0" smtClean="0">
+              <a:rPr lang="en-US" sz="6000" dirty="0" smtClean="0">
                 <a:ln>
                   <a:solidFill>
                     <a:srgbClr val="FFFFFF"/>
@@ -4331,7 +4331,7 @@
               </a:rPr>
               <a:t>Metrics</a:t>
             </a:r>
-            <a:endParaRPr lang="en-US" dirty="0">
+            <a:endParaRPr lang="en-US" sz="6000" dirty="0">
               <a:ln>
                 <a:solidFill>
                   <a:srgbClr val="FFFFFF"/>
@@ -4341,62 +4341,6 @@
                 <a:schemeClr val="bg2">
                   <a:lumMod val="75000"/>
                 </a:schemeClr>
-              </a:solidFill>
-            </a:endParaRPr>
-          </a:p>
-        </p:txBody>
-      </p:sp>
-      <p:sp>
-        <p:nvSpPr>
-          <p:cNvPr id="6" name="Text Placeholder 5"/>
-          <p:cNvSpPr>
-            <a:spLocks noGrp="1"/>
-          </p:cNvSpPr>
-          <p:nvPr>
-            <p:ph type="body" sz="quarter" idx="3"/>
-          </p:nvPr>
-        </p:nvSpPr>
-        <p:spPr>
-          <a:xfrm>
-            <a:off x="22913172" y="5741043"/>
-            <a:ext cx="4180924" cy="1033362"/>
-          </a:xfrm>
-          <a:solidFill>
-            <a:srgbClr val="000D36"/>
-          </a:solidFill>
-          <a:ln w="76200" cmpd="sng">
-            <a:solidFill>
-              <a:srgbClr val="000036"/>
-            </a:solidFill>
-          </a:ln>
-        </p:spPr>
-        <p:txBody>
-          <a:bodyPr>
-            <a:normAutofit fontScale="70000" lnSpcReduction="20000"/>
-          </a:bodyPr>
-          <a:lstStyle/>
-          <a:p>
-            <a:r>
-              <a:rPr lang="en-US" dirty="0" smtClean="0">
-                <a:ln>
-                  <a:solidFill>
-                    <a:srgbClr val="FFFFFF"/>
-                  </a:solidFill>
-                </a:ln>
-                <a:solidFill>
-                  <a:srgbClr val="C4BD97"/>
-                </a:solidFill>
-              </a:rPr>
-              <a:t>Simulator</a:t>
-            </a:r>
-            <a:endParaRPr lang="en-US" dirty="0">
-              <a:ln>
-                <a:solidFill>
-                  <a:srgbClr val="FFFFFF"/>
-                </a:solidFill>
-              </a:ln>
-              <a:solidFill>
-                <a:srgbClr val="C4BD97"/>
               </a:solidFill>
             </a:endParaRPr>
           </a:p>
@@ -4424,8 +4368,8 @@
         </p:blipFill>
         <p:spPr>
           <a:xfrm>
-            <a:off x="16761622" y="14883340"/>
-            <a:ext cx="8455152" cy="6479595"/>
+            <a:off x="16761622" y="14943554"/>
+            <a:ext cx="8455152" cy="6419381"/>
           </a:xfrm>
           <a:prstGeom prst="rect">
             <a:avLst/>
@@ -5566,8 +5510,8 @@
         </p:nvSpPr>
         <p:spPr>
           <a:xfrm>
-            <a:off x="7701058" y="13863164"/>
-            <a:ext cx="4397169" cy="1080390"/>
+            <a:off x="7701058" y="13863163"/>
+            <a:ext cx="4397169" cy="1173639"/>
           </a:xfrm>
           <a:prstGeom prst="rect">
             <a:avLst/>
@@ -5584,7 +5528,7 @@
         </p:spPr>
         <p:txBody>
           <a:bodyPr vert="horz" lIns="313502" tIns="156751" rIns="313502" bIns="156751" rtlCol="0" anchor="b">
-            <a:normAutofit fontScale="70000" lnSpcReduction="20000"/>
+            <a:noAutofit/>
           </a:bodyPr>
           <a:lstStyle>
             <a:lvl1pPr marL="0" indent="0" algn="l" defTabSz="1567510" rtl="0" eaLnBrk="1" latinLnBrk="0" hangingPunct="1">
@@ -5725,7 +5669,7 @@
           </a:lstStyle>
           <a:p>
             <a:r>
-              <a:rPr lang="en-US" dirty="0" smtClean="0">
+              <a:rPr lang="en-US" sz="6000" dirty="0" smtClean="0">
                 <a:ln>
                   <a:solidFill>
                     <a:srgbClr val="FFFFFF"/>
@@ -5739,7 +5683,7 @@
               </a:rPr>
               <a:t>Swim Lanes</a:t>
             </a:r>
-            <a:endParaRPr lang="en-US" dirty="0">
+            <a:endParaRPr lang="en-US" sz="6000" dirty="0">
               <a:ln>
                 <a:solidFill>
                   <a:srgbClr val="FFFFFF"/>
@@ -5764,8 +5708,8 @@
         </p:nvSpPr>
         <p:spPr>
           <a:xfrm>
-            <a:off x="16722093" y="13863164"/>
-            <a:ext cx="4268467" cy="1020176"/>
+            <a:off x="16722093" y="13863163"/>
+            <a:ext cx="4268467" cy="1173639"/>
           </a:xfrm>
           <a:prstGeom prst="rect">
             <a:avLst/>
@@ -5782,7 +5726,7 @@
         </p:spPr>
         <p:txBody>
           <a:bodyPr vert="horz" lIns="313502" tIns="156751" rIns="313502" bIns="156751" rtlCol="0" anchor="b">
-            <a:normAutofit fontScale="70000" lnSpcReduction="20000"/>
+            <a:noAutofit/>
           </a:bodyPr>
           <a:lstStyle>
             <a:lvl1pPr marL="0" indent="0" algn="l" defTabSz="1567510" rtl="0" eaLnBrk="1" latinLnBrk="0" hangingPunct="1">
@@ -5923,7 +5867,7 @@
           </a:lstStyle>
           <a:p>
             <a:r>
-              <a:rPr lang="en-US" dirty="0" smtClean="0">
+              <a:rPr lang="en-US" sz="6000" dirty="0" smtClean="0">
                 <a:ln>
                   <a:solidFill>
                     <a:srgbClr val="FFFFFF"/>
@@ -5937,7 +5881,7 @@
               </a:rPr>
               <a:t>Results</a:t>
             </a:r>
-            <a:endParaRPr lang="en-US" dirty="0">
+            <a:endParaRPr lang="en-US" sz="6000" dirty="0">
               <a:ln>
                 <a:solidFill>
                   <a:srgbClr val="FFFFFF"/>
@@ -5963,7 +5907,7 @@
         <p:spPr>
           <a:xfrm>
             <a:off x="12098227" y="5741043"/>
-            <a:ext cx="4253483" cy="1033362"/>
+            <a:ext cx="4253483" cy="1173638"/>
           </a:xfrm>
           <a:prstGeom prst="rect">
             <a:avLst/>
@@ -5980,7 +5924,7 @@
         </p:spPr>
         <p:txBody>
           <a:bodyPr vert="horz" lIns="313502" tIns="156751" rIns="313502" bIns="156751" rtlCol="0" anchor="b">
-            <a:normAutofit fontScale="70000" lnSpcReduction="20000"/>
+            <a:noAutofit/>
           </a:bodyPr>
           <a:lstStyle>
             <a:lvl1pPr marL="0" indent="0" algn="l" defTabSz="1567510" rtl="0" eaLnBrk="1" latinLnBrk="0" hangingPunct="1">
@@ -6121,7 +6065,7 @@
           </a:lstStyle>
           <a:p>
             <a:r>
-              <a:rPr lang="en-US" dirty="0" smtClean="0">
+              <a:rPr lang="en-US" sz="6000" dirty="0" smtClean="0">
                 <a:ln>
                   <a:solidFill>
                     <a:srgbClr val="FFFFFF"/>
@@ -6135,7 +6079,7 @@
               </a:rPr>
               <a:t>Models</a:t>
             </a:r>
-            <a:endParaRPr lang="en-US" dirty="0">
+            <a:endParaRPr lang="en-US" sz="6000" dirty="0">
               <a:ln>
                 <a:solidFill>
                   <a:srgbClr val="FFFFFF"/>
@@ -6145,6 +6089,62 @@
                 <a:schemeClr val="bg2">
                   <a:lumMod val="75000"/>
                 </a:schemeClr>
+              </a:solidFill>
+            </a:endParaRPr>
+          </a:p>
+        </p:txBody>
+      </p:sp>
+      <p:sp>
+        <p:nvSpPr>
+          <p:cNvPr id="6" name="Text Placeholder 5"/>
+          <p:cNvSpPr>
+            <a:spLocks noGrp="1"/>
+          </p:cNvSpPr>
+          <p:nvPr>
+            <p:ph type="body" sz="quarter" idx="3"/>
+          </p:nvPr>
+        </p:nvSpPr>
+        <p:spPr>
+          <a:xfrm>
+            <a:off x="22913172" y="5741043"/>
+            <a:ext cx="4180924" cy="1173638"/>
+          </a:xfrm>
+          <a:solidFill>
+            <a:srgbClr val="000D36"/>
+          </a:solidFill>
+          <a:ln w="76200" cmpd="sng">
+            <a:solidFill>
+              <a:srgbClr val="000036"/>
+            </a:solidFill>
+          </a:ln>
+        </p:spPr>
+        <p:txBody>
+          <a:bodyPr>
+            <a:noAutofit/>
+          </a:bodyPr>
+          <a:lstStyle/>
+          <a:p>
+            <a:r>
+              <a:rPr lang="en-US" sz="6000" dirty="0" smtClean="0">
+                <a:ln>
+                  <a:solidFill>
+                    <a:srgbClr val="FFFFFF"/>
+                  </a:solidFill>
+                </a:ln>
+                <a:solidFill>
+                  <a:srgbClr val="C4BD97"/>
+                </a:solidFill>
+              </a:rPr>
+              <a:t>Simulator</a:t>
+            </a:r>
+            <a:endParaRPr lang="en-US" sz="6000" dirty="0">
+              <a:ln>
+                <a:solidFill>
+                  <a:srgbClr val="FFFFFF"/>
+                </a:solidFill>
+              </a:ln>
+              <a:solidFill>
+                <a:srgbClr val="C4BD97"/>
               </a:solidFill>
             </a:endParaRPr>
           </a:p>
